--- a/lecture-x-es6/let_and_const.pptx
+++ b/lecture-x-es6/let_and_const.pptx
@@ -265,7 +265,7 @@
           <a:p>
             <a:fld id="{4D8EEEE2-ACBB-41C1-BCFD-8A829CFB8979}" type="datetimeFigureOut">
               <a:rPr lang="en-US" smtClean="0"/>
-              <a:t>9/16/2015</a:t>
+              <a:t>9/17/2015</a:t>
             </a:fld>
             <a:endParaRPr lang="en-US"/>
           </a:p>
@@ -435,7 +435,7 @@
           <a:p>
             <a:fld id="{4D8EEEE2-ACBB-41C1-BCFD-8A829CFB8979}" type="datetimeFigureOut">
               <a:rPr lang="en-US" smtClean="0"/>
-              <a:t>9/16/2015</a:t>
+              <a:t>9/17/2015</a:t>
             </a:fld>
             <a:endParaRPr lang="en-US"/>
           </a:p>
@@ -615,7 +615,7 @@
           <a:p>
             <a:fld id="{4D8EEEE2-ACBB-41C1-BCFD-8A829CFB8979}" type="datetimeFigureOut">
               <a:rPr lang="en-US" smtClean="0"/>
-              <a:t>9/16/2015</a:t>
+              <a:t>9/17/2015</a:t>
             </a:fld>
             <a:endParaRPr lang="en-US"/>
           </a:p>
@@ -785,7 +785,7 @@
           <a:p>
             <a:fld id="{4D8EEEE2-ACBB-41C1-BCFD-8A829CFB8979}" type="datetimeFigureOut">
               <a:rPr lang="en-US" smtClean="0"/>
-              <a:t>9/16/2015</a:t>
+              <a:t>9/17/2015</a:t>
             </a:fld>
             <a:endParaRPr lang="en-US"/>
           </a:p>
@@ -1031,7 +1031,7 @@
           <a:p>
             <a:fld id="{4D8EEEE2-ACBB-41C1-BCFD-8A829CFB8979}" type="datetimeFigureOut">
               <a:rPr lang="en-US" smtClean="0"/>
-              <a:t>9/16/2015</a:t>
+              <a:t>9/17/2015</a:t>
             </a:fld>
             <a:endParaRPr lang="en-US"/>
           </a:p>
@@ -1263,7 +1263,7 @@
           <a:p>
             <a:fld id="{4D8EEEE2-ACBB-41C1-BCFD-8A829CFB8979}" type="datetimeFigureOut">
               <a:rPr lang="en-US" smtClean="0"/>
-              <a:t>9/16/2015</a:t>
+              <a:t>9/17/2015</a:t>
             </a:fld>
             <a:endParaRPr lang="en-US"/>
           </a:p>
@@ -1630,7 +1630,7 @@
           <a:p>
             <a:fld id="{4D8EEEE2-ACBB-41C1-BCFD-8A829CFB8979}" type="datetimeFigureOut">
               <a:rPr lang="en-US" smtClean="0"/>
-              <a:t>9/16/2015</a:t>
+              <a:t>9/17/2015</a:t>
             </a:fld>
             <a:endParaRPr lang="en-US"/>
           </a:p>
@@ -1748,7 +1748,7 @@
           <a:p>
             <a:fld id="{4D8EEEE2-ACBB-41C1-BCFD-8A829CFB8979}" type="datetimeFigureOut">
               <a:rPr lang="en-US" smtClean="0"/>
-              <a:t>9/16/2015</a:t>
+              <a:t>9/17/2015</a:t>
             </a:fld>
             <a:endParaRPr lang="en-US"/>
           </a:p>
@@ -1843,7 +1843,7 @@
           <a:p>
             <a:fld id="{4D8EEEE2-ACBB-41C1-BCFD-8A829CFB8979}" type="datetimeFigureOut">
               <a:rPr lang="en-US" smtClean="0"/>
-              <a:t>9/16/2015</a:t>
+              <a:t>9/17/2015</a:t>
             </a:fld>
             <a:endParaRPr lang="en-US"/>
           </a:p>
@@ -2120,7 +2120,7 @@
           <a:p>
             <a:fld id="{4D8EEEE2-ACBB-41C1-BCFD-8A829CFB8979}" type="datetimeFigureOut">
               <a:rPr lang="en-US" smtClean="0"/>
-              <a:t>9/16/2015</a:t>
+              <a:t>9/17/2015</a:t>
             </a:fld>
             <a:endParaRPr lang="en-US"/>
           </a:p>
@@ -2373,7 +2373,7 @@
           <a:p>
             <a:fld id="{4D8EEEE2-ACBB-41C1-BCFD-8A829CFB8979}" type="datetimeFigureOut">
               <a:rPr lang="en-US" smtClean="0"/>
-              <a:t>9/16/2015</a:t>
+              <a:t>9/17/2015</a:t>
             </a:fld>
             <a:endParaRPr lang="en-US"/>
           </a:p>
@@ -2586,7 +2586,7 @@
           <a:p>
             <a:fld id="{4D8EEEE2-ACBB-41C1-BCFD-8A829CFB8979}" type="datetimeFigureOut">
               <a:rPr lang="en-US" smtClean="0"/>
-              <a:t>9/16/2015</a:t>
+              <a:t>9/17/2015</a:t>
             </a:fld>
             <a:endParaRPr lang="en-US"/>
           </a:p>
@@ -3013,26 +3013,26 @@
             <a:r>
               <a:rPr lang="en-US" b="1" dirty="0" smtClean="0">
                 <a:solidFill>
-                  <a:srgbClr val="FFC000"/>
-                </a:solidFill>
-              </a:rPr>
-              <a:t>let</a:t>
+                  <a:srgbClr val="00B0F0"/>
+                </a:solidFill>
+              </a:rPr>
+              <a:t>let </a:t>
             </a:r>
             <a:r>
               <a:rPr lang="en-US" b="1" dirty="0" smtClean="0"/>
-              <a:t> and </a:t>
+              <a:t>and </a:t>
             </a:r>
             <a:r>
               <a:rPr lang="en-US" b="1" dirty="0" err="1" smtClean="0">
                 <a:solidFill>
-                  <a:srgbClr val="FFC000"/>
+                  <a:srgbClr val="00B0F0"/>
                 </a:solidFill>
               </a:rPr>
               <a:t>const</a:t>
             </a:r>
             <a:endParaRPr lang="en-US" b="1" dirty="0">
               <a:solidFill>
-                <a:srgbClr val="FFC000"/>
+                <a:srgbClr val="00B0F0"/>
               </a:solidFill>
             </a:endParaRPr>
           </a:p>
@@ -5350,7 +5350,7 @@
             <a:r>
               <a:rPr lang="en-US" altLang="en-US" dirty="0" err="1">
                 <a:solidFill>
-                  <a:srgbClr val="FFC000"/>
+                  <a:srgbClr val="00B0F0"/>
                 </a:solidFill>
                 <a:latin typeface="Segoe UI Semibold" panose="020B0702040204020203" pitchFamily="34" charset="0"/>
               </a:rPr>
@@ -8859,15 +8859,6 @@
               </a:rPr>
               <a:t> </a:t>
             </a:r>
-            <a:endParaRPr kumimoji="0" lang="en-US" altLang="en-US" sz="4000" b="0" i="0" u="none" strike="noStrike" cap="none" normalizeH="0" baseline="0" dirty="0" smtClean="0">
-              <a:ln>
-                <a:noFill/>
-              </a:ln>
-              <a:solidFill>
-                <a:schemeClr val="tx1"/>
-              </a:solidFill>
-              <a:effectLst/>
-            </a:endParaRPr>
           </a:p>
         </p:txBody>
       </p:sp>
@@ -9041,7 +9032,7 @@
               <a:tabLst/>
             </a:pPr>
             <a:r>
-              <a:rPr kumimoji="0" lang="en-US" altLang="en-US" b="1" i="0" u="none" strike="noStrike" cap="none" normalizeH="0" baseline="0" smtClean="0">
+              <a:rPr kumimoji="0" lang="en-US" altLang="en-US" b="1" i="0" u="none" strike="noStrike" cap="none" normalizeH="0" baseline="0" dirty="0" smtClean="0">
                 <a:ln>
                   <a:noFill/>
                 </a:ln>
@@ -9054,7 +9045,20 @@
               <a:t>Can I use </a:t>
             </a:r>
             <a:r>
-              <a:rPr kumimoji="0" lang="en-US" altLang="en-US" b="1" i="0" u="none" strike="noStrike" cap="none" normalizeH="0" baseline="0" smtClean="0">
+              <a:rPr kumimoji="0" lang="en-US" altLang="en-US" b="1" i="0" u="none" strike="noStrike" cap="none" normalizeH="0" baseline="0" dirty="0" smtClean="0">
+                <a:ln>
+                  <a:noFill/>
+                </a:ln>
+                <a:solidFill>
+                  <a:srgbClr val="00B0F0"/>
+                </a:solidFill>
+                <a:effectLst/>
+                <a:latin typeface="Arial Unicode MS" panose="020B0604020202020204" pitchFamily="34" charset="-128"/>
+              </a:rPr>
+              <a:t>let</a:t>
+            </a:r>
+            <a:r>
+              <a:rPr kumimoji="0" lang="en-US" altLang="en-US" b="1" i="0" u="none" strike="noStrike" cap="none" normalizeH="0" baseline="0" dirty="0" smtClean="0">
                 <a:ln>
                   <a:noFill/>
                 </a:ln>
@@ -9062,38 +9066,25 @@
                   <a:srgbClr val="000000"/>
                 </a:solidFill>
                 <a:effectLst/>
+                <a:latin typeface="Open Sans"/>
+              </a:rPr>
+              <a:t> and </a:t>
+            </a:r>
+            <a:r>
+              <a:rPr kumimoji="0" lang="en-US" altLang="en-US" b="1" i="0" u="none" strike="noStrike" cap="none" normalizeH="0" baseline="0" dirty="0" err="1" smtClean="0">
+                <a:ln>
+                  <a:noFill/>
+                </a:ln>
+                <a:solidFill>
+                  <a:srgbClr val="00B0F0"/>
+                </a:solidFill>
+                <a:effectLst/>
                 <a:latin typeface="Arial Unicode MS" panose="020B0604020202020204" pitchFamily="34" charset="-128"/>
               </a:rPr>
-              <a:t>let</a:t>
-            </a:r>
-            <a:r>
-              <a:rPr kumimoji="0" lang="en-US" altLang="en-US" b="1" i="0" u="none" strike="noStrike" cap="none" normalizeH="0" baseline="0" smtClean="0">
-                <a:ln>
-                  <a:noFill/>
-                </a:ln>
-                <a:solidFill>
-                  <a:srgbClr val="000000"/>
-                </a:solidFill>
-                <a:effectLst/>
-                <a:latin typeface="Open Sans"/>
-              </a:rPr>
-              <a:t> and </a:t>
-            </a:r>
-            <a:r>
-              <a:rPr kumimoji="0" lang="en-US" altLang="en-US" b="1" i="0" u="none" strike="noStrike" cap="none" normalizeH="0" baseline="0" smtClean="0">
-                <a:ln>
-                  <a:noFill/>
-                </a:ln>
-                <a:solidFill>
-                  <a:srgbClr val="000000"/>
-                </a:solidFill>
-                <a:effectLst/>
-                <a:latin typeface="Arial Unicode MS" panose="020B0604020202020204" pitchFamily="34" charset="-128"/>
-              </a:rPr>
               <a:t>const</a:t>
             </a:r>
             <a:r>
-              <a:rPr kumimoji="0" lang="en-US" altLang="en-US" b="1" i="0" u="none" strike="noStrike" cap="none" normalizeH="0" baseline="0" smtClean="0">
+              <a:rPr kumimoji="0" lang="en-US" altLang="en-US" b="1" i="0" u="none" strike="noStrike" cap="none" normalizeH="0" baseline="0" dirty="0" smtClean="0">
                 <a:ln>
                   <a:noFill/>
                 </a:ln>
@@ -9123,7 +9114,7 @@
               <a:buNone/>
               <a:tabLst/>
             </a:pPr>
-            <a:endParaRPr kumimoji="0" lang="en-US" altLang="en-US" b="0" i="0" u="none" strike="noStrike" cap="none" normalizeH="0" baseline="0" smtClean="0">
+            <a:endParaRPr kumimoji="0" lang="en-US" altLang="en-US" b="0" i="0" u="none" strike="noStrike" cap="none" normalizeH="0" baseline="0" dirty="0" smtClean="0">
               <a:ln>
                 <a:noFill/>
               </a:ln>
@@ -11749,7 +11740,7 @@
                   <a:noFill/>
                 </a:ln>
                 <a:solidFill>
-                  <a:srgbClr val="FFC000"/>
+                  <a:srgbClr val="00B0F0"/>
                 </a:solidFill>
                 <a:effectLst/>
                 <a:latin typeface="Segoe UI Semibold" panose="020B0702040204020203" pitchFamily="34" charset="0"/>
@@ -11776,7 +11767,7 @@
                   <a:noFill/>
                 </a:ln>
                 <a:solidFill>
-                  <a:srgbClr val="FFC000"/>
+                  <a:srgbClr val="00B0F0"/>
                 </a:solidFill>
                 <a:effectLst/>
                 <a:latin typeface="Segoe UI Semibold" panose="020B0702040204020203" pitchFamily="34" charset="0"/>
@@ -11789,7 +11780,7 @@
                   <a:noFill/>
                 </a:ln>
                 <a:solidFill>
-                  <a:srgbClr val="FFC000"/>
+                  <a:srgbClr val="00B0F0"/>
                 </a:solidFill>
                 <a:effectLst/>
                 <a:latin typeface="Arial Unicode MS" panose="020B0604020202020204" pitchFamily="34" charset="-128"/>
